--- a/ddd-fp.pptx
+++ b/ddd-fp.pptx
@@ -5,21 +5,22 @@
     <p:sldMasterId id="2147483648" r:id="rId1"/>
   </p:sldMasterIdLst>
   <p:notesMasterIdLst>
-    <p:notesMasterId r:id="rId14"/>
+    <p:notesMasterId r:id="rId15"/>
   </p:notesMasterIdLst>
   <p:sldIdLst>
     <p:sldId id="256" r:id="rId2"/>
-    <p:sldId id="1213" r:id="rId3"/>
-    <p:sldId id="275" r:id="rId4"/>
-    <p:sldId id="1215" r:id="rId5"/>
-    <p:sldId id="442" r:id="rId6"/>
-    <p:sldId id="440" r:id="rId7"/>
-    <p:sldId id="443" r:id="rId8"/>
-    <p:sldId id="453" r:id="rId9"/>
-    <p:sldId id="441" r:id="rId10"/>
-    <p:sldId id="444" r:id="rId11"/>
-    <p:sldId id="446" r:id="rId12"/>
-    <p:sldId id="451" r:id="rId13"/>
+    <p:sldId id="449" r:id="rId3"/>
+    <p:sldId id="1213" r:id="rId4"/>
+    <p:sldId id="275" r:id="rId5"/>
+    <p:sldId id="1215" r:id="rId6"/>
+    <p:sldId id="442" r:id="rId7"/>
+    <p:sldId id="440" r:id="rId8"/>
+    <p:sldId id="443" r:id="rId9"/>
+    <p:sldId id="453" r:id="rId10"/>
+    <p:sldId id="441" r:id="rId11"/>
+    <p:sldId id="444" r:id="rId12"/>
+    <p:sldId id="446" r:id="rId13"/>
+    <p:sldId id="451" r:id="rId14"/>
   </p:sldIdLst>
   <p:sldSz cx="12192000" cy="6858000"/>
   <p:notesSz cx="6858000" cy="9144000"/>
@@ -124,6 +125,7 @@
         <p14:section name="Default Section" id="{C93E1C98-91EF-F545-8671-9396061E777A}">
           <p14:sldIdLst>
             <p14:sldId id="256"/>
+            <p14:sldId id="449"/>
             <p14:sldId id="1213"/>
             <p14:sldId id="275"/>
             <p14:sldId id="1215"/>
@@ -790,7 +792,7 @@
           <a:p>
             <a:fld id="{D27F9AF4-99BD-704C-A634-BD68D2954485}" type="slidenum">
               <a:rPr lang="en-DE"/>
-              <a:t>5</a:t>
+              <a:t>6</a:t>
             </a:fld>
             <a:endParaRPr lang="en-DE"/>
           </a:p>
@@ -879,7 +881,7 @@
           <a:p>
             <a:fld id="{D27F9AF4-99BD-704C-A634-BD68D2954485}" type="slidenum">
               <a:rPr lang="en-DE"/>
-              <a:t>6</a:t>
+              <a:t>7</a:t>
             </a:fld>
             <a:endParaRPr lang="en-DE"/>
           </a:p>
@@ -968,7 +970,7 @@
           <a:p>
             <a:fld id="{D27F9AF4-99BD-704C-A634-BD68D2954485}" type="slidenum">
               <a:rPr lang="en-DE"/>
-              <a:t>7</a:t>
+              <a:t>8</a:t>
             </a:fld>
             <a:endParaRPr lang="en-DE"/>
           </a:p>
@@ -1055,7 +1057,7 @@
           <a:p>
             <a:fld id="{D27F9AF4-99BD-704C-A634-BD68D2954485}" type="slidenum">
               <a:rPr lang="de-DE" smtClean="0"/>
-              <a:t>8</a:t>
+              <a:t>9</a:t>
             </a:fld>
             <a:endParaRPr lang="de-DE"/>
           </a:p>
@@ -1142,7 +1144,7 @@
           <a:p>
             <a:fld id="{D27F9AF4-99BD-704C-A634-BD68D2954485}" type="slidenum">
               <a:rPr lang="de-DE" smtClean="0"/>
-              <a:t>9</a:t>
+              <a:t>10</a:t>
             </a:fld>
             <a:endParaRPr lang="de-DE"/>
           </a:p>
@@ -1229,7 +1231,7 @@
           <a:p>
             <a:fld id="{D27F9AF4-99BD-704C-A634-BD68D2954485}" type="slidenum">
               <a:rPr lang="de-DE" smtClean="0"/>
-              <a:t>10</a:t>
+              <a:t>11</a:t>
             </a:fld>
             <a:endParaRPr lang="de-DE"/>
           </a:p>
@@ -4332,6 +4334,301 @@
 <file path=ppt/slides/slide10.xml><?xml version="1.0" encoding="utf-8"?>
 <p:sld xmlns:a="http://schemas.openxmlformats.org/drawingml/2006/main" xmlns:r="http://schemas.openxmlformats.org/officeDocument/2006/relationships" xmlns:p="http://schemas.openxmlformats.org/presentationml/2006/main">
   <p:cSld>
+    <p:spTree>
+      <p:nvGrpSpPr>
+        <p:cNvPr id="1" name=""/>
+        <p:cNvGrpSpPr/>
+        <p:nvPr/>
+      </p:nvGrpSpPr>
+      <p:grpSpPr>
+        <a:xfrm>
+          <a:off x="0" y="0"/>
+          <a:ext cx="0" cy="0"/>
+          <a:chOff x="0" y="0"/>
+          <a:chExt cx="0" cy="0"/>
+        </a:xfrm>
+      </p:grpSpPr>
+      <p:sp>
+        <p:nvSpPr>
+          <p:cNvPr id="2" name="Title 1">
+            <a:extLst>
+              <a:ext uri="{FF2B5EF4-FFF2-40B4-BE49-F238E27FC236}">
+                <a16:creationId xmlns:a16="http://schemas.microsoft.com/office/drawing/2014/main" id="{814D0655-BEEF-41CD-CDDF-8F5AF02B1195}"/>
+              </a:ext>
+            </a:extLst>
+          </p:cNvPr>
+          <p:cNvSpPr>
+            <a:spLocks noGrp="1"/>
+          </p:cNvSpPr>
+          <p:nvPr>
+            <p:ph type="title"/>
+          </p:nvPr>
+        </p:nvSpPr>
+        <p:spPr/>
+        <p:txBody>
+          <a:bodyPr/>
+          <a:lstStyle/>
+          <a:p>
+            <a:r>
+              <a:rPr lang="en-DE"/>
+              <a:t>Ubiquitous Language vs. Abstraktion</a:t>
+            </a:r>
+          </a:p>
+        </p:txBody>
+      </p:sp>
+      <p:sp>
+        <p:nvSpPr>
+          <p:cNvPr id="3" name="Content Placeholder 2">
+            <a:extLst>
+              <a:ext uri="{FF2B5EF4-FFF2-40B4-BE49-F238E27FC236}">
+                <a16:creationId xmlns:a16="http://schemas.microsoft.com/office/drawing/2014/main" id="{D496E63D-F647-DC50-1C4D-5470A4FC7FC1}"/>
+              </a:ext>
+            </a:extLst>
+          </p:cNvPr>
+          <p:cNvSpPr>
+            <a:spLocks noGrp="1"/>
+          </p:cNvSpPr>
+          <p:nvPr>
+            <p:ph idx="1"/>
+          </p:nvPr>
+        </p:nvSpPr>
+        <p:spPr/>
+        <p:txBody>
+          <a:bodyPr/>
+          <a:lstStyle/>
+          <a:p>
+            <a:r>
+              <a:rPr lang="en-DE"/>
+              <a:t>Domänendinge </a:t>
+            </a:r>
+            <a:r>
+              <a:rPr lang="de-DE" dirty="0"/>
+              <a:t>— </a:t>
+            </a:r>
+            <a:r>
+              <a:rPr lang="en-DE"/>
+              <a:t>DDD </a:t>
+            </a:r>
+            <a:r>
+              <a:rPr lang="en-DE" b="1"/>
+              <a:t>✅</a:t>
+            </a:r>
+            <a:r>
+              <a:rPr lang="en-DE"/>
+              <a:t>, FP </a:t>
+            </a:r>
+            <a:r>
+              <a:rPr lang="en-DE" b="1"/>
+              <a:t>🤷</a:t>
+            </a:r>
+            <a:endParaRPr lang="en-DE"/>
+          </a:p>
+          <a:p>
+            <a:r>
+              <a:rPr lang="en-DE"/>
+              <a:t>implicit/emergent domain things 🤼‍♂️ ❓ </a:t>
+            </a:r>
+          </a:p>
+          <a:p>
+            <a:r>
+              <a:rPr lang="en-DE"/>
+              <a:t>domänenunabhängige Abstraktionen FP/Mathematik </a:t>
+            </a:r>
+            <a:r>
+              <a:rPr lang="en-DE" b="1"/>
+              <a:t>✅</a:t>
+            </a:r>
+            <a:endParaRPr lang="en-DE"/>
+          </a:p>
+          <a:p>
+            <a:endParaRPr lang="en-DE"/>
+          </a:p>
+        </p:txBody>
+      </p:sp>
+      <p:pic>
+        <p:nvPicPr>
+          <p:cNvPr id="4" name="Picture 3">
+            <a:extLst>
+              <a:ext uri="{FF2B5EF4-FFF2-40B4-BE49-F238E27FC236}">
+                <a16:creationId xmlns:a16="http://schemas.microsoft.com/office/drawing/2014/main" id="{B4DDDFFA-EE60-AFBD-1BB9-4A8B9CE12E60}"/>
+              </a:ext>
+            </a:extLst>
+          </p:cNvPr>
+          <p:cNvPicPr>
+            <a:picLocks noChangeAspect="1"/>
+          </p:cNvPicPr>
+          <p:nvPr/>
+        </p:nvPicPr>
+        <p:blipFill>
+          <a:blip r:embed="rId3"/>
+          <a:stretch>
+            <a:fillRect/>
+          </a:stretch>
+        </p:blipFill>
+        <p:spPr>
+          <a:xfrm>
+            <a:off x="2245264" y="3078161"/>
+            <a:ext cx="3327400" cy="3505200"/>
+          </a:xfrm>
+          <a:prstGeom prst="rect">
+            <a:avLst/>
+          </a:prstGeom>
+        </p:spPr>
+      </p:pic>
+      <p:pic>
+        <p:nvPicPr>
+          <p:cNvPr id="5" name="Picture 4">
+            <a:extLst>
+              <a:ext uri="{FF2B5EF4-FFF2-40B4-BE49-F238E27FC236}">
+                <a16:creationId xmlns:a16="http://schemas.microsoft.com/office/drawing/2014/main" id="{89A9A485-C524-7668-7B68-6EF6CBBE1BD0}"/>
+              </a:ext>
+            </a:extLst>
+          </p:cNvPr>
+          <p:cNvPicPr>
+            <a:picLocks noChangeAspect="1"/>
+          </p:cNvPicPr>
+          <p:nvPr/>
+        </p:nvPicPr>
+        <p:blipFill>
+          <a:blip r:embed="rId4"/>
+          <a:stretch>
+            <a:fillRect/>
+          </a:stretch>
+        </p:blipFill>
+        <p:spPr>
+          <a:xfrm>
+            <a:off x="6697994" y="3078161"/>
+            <a:ext cx="3327400" cy="3505200"/>
+          </a:xfrm>
+          <a:prstGeom prst="rect">
+            <a:avLst/>
+          </a:prstGeom>
+        </p:spPr>
+      </p:pic>
+      <p:sp>
+        <p:nvSpPr>
+          <p:cNvPr id="6" name="Rectangular Callout 5">
+            <a:extLst>
+              <a:ext uri="{FF2B5EF4-FFF2-40B4-BE49-F238E27FC236}">
+                <a16:creationId xmlns:a16="http://schemas.microsoft.com/office/drawing/2014/main" id="{4BECAFB5-28EE-E382-DF45-05FBECA06B57}"/>
+              </a:ext>
+            </a:extLst>
+          </p:cNvPr>
+          <p:cNvSpPr/>
+          <p:nvPr/>
+        </p:nvSpPr>
+        <p:spPr>
+          <a:xfrm>
+            <a:off x="6697994" y="1047905"/>
+            <a:ext cx="2027582" cy="675861"/>
+          </a:xfrm>
+          <a:prstGeom prst="wedgeRectCallout">
+            <a:avLst>
+              <a:gd name="adj1" fmla="val -73205"/>
+              <a:gd name="adj2" fmla="val 31950"/>
+            </a:avLst>
+          </a:prstGeom>
+        </p:spPr>
+        <p:style>
+          <a:lnRef idx="1">
+            <a:schemeClr val="accent1"/>
+          </a:lnRef>
+          <a:fillRef idx="3">
+            <a:schemeClr val="accent1"/>
+          </a:fillRef>
+          <a:effectRef idx="2">
+            <a:schemeClr val="accent1"/>
+          </a:effectRef>
+          <a:fontRef idx="minor">
+            <a:schemeClr val="lt1"/>
+          </a:fontRef>
+        </p:style>
+        <p:txBody>
+          <a:bodyPr rtlCol="0" anchor="ctr"/>
+          <a:lstStyle/>
+          <a:p>
+            <a:pPr algn="ctr"/>
+            <a:r>
+              <a:rPr lang="en-DE"/>
+              <a:t>“Einkaufskorb”</a:t>
+            </a:r>
+          </a:p>
+        </p:txBody>
+      </p:sp>
+      <p:sp>
+        <p:nvSpPr>
+          <p:cNvPr id="7" name="Rectangular Callout 6">
+            <a:extLst>
+              <a:ext uri="{FF2B5EF4-FFF2-40B4-BE49-F238E27FC236}">
+                <a16:creationId xmlns:a16="http://schemas.microsoft.com/office/drawing/2014/main" id="{BB88E92E-8F1E-5C81-8F09-D2586127198C}"/>
+              </a:ext>
+            </a:extLst>
+          </p:cNvPr>
+          <p:cNvSpPr/>
+          <p:nvPr/>
+        </p:nvSpPr>
+        <p:spPr>
+          <a:xfrm>
+            <a:off x="10025394" y="1152606"/>
+            <a:ext cx="2027582" cy="675861"/>
+          </a:xfrm>
+          <a:prstGeom prst="wedgeRectCallout">
+            <a:avLst>
+              <a:gd name="adj1" fmla="val -60597"/>
+              <a:gd name="adj2" fmla="val 135239"/>
+            </a:avLst>
+          </a:prstGeom>
+        </p:spPr>
+        <p:style>
+          <a:lnRef idx="1">
+            <a:schemeClr val="accent1"/>
+          </a:lnRef>
+          <a:fillRef idx="3">
+            <a:schemeClr val="accent1"/>
+          </a:fillRef>
+          <a:effectRef idx="2">
+            <a:schemeClr val="accent1"/>
+          </a:effectRef>
+          <a:fontRef idx="minor">
+            <a:schemeClr val="lt1"/>
+          </a:fontRef>
+        </p:style>
+        <p:txBody>
+          <a:bodyPr rtlCol="0" anchor="ctr"/>
+          <a:lstStyle/>
+          <a:p>
+            <a:pPr algn="ctr"/>
+            <a:r>
+              <a:rPr lang="en-DE"/>
+              <a:t>“Monoid</a:t>
+            </a:r>
+            <a:r>
+              <a:rPr lang="de-DE" dirty="0"/>
+              <a:t>,</a:t>
+            </a:r>
+            <a:r>
+              <a:rPr lang="en-DE"/>
+              <a:t>” “Monad”</a:t>
+            </a:r>
+          </a:p>
+        </p:txBody>
+      </p:sp>
+    </p:spTree>
+    <p:extLst>
+      <p:ext uri="{BB962C8B-B14F-4D97-AF65-F5344CB8AC3E}">
+        <p14:creationId xmlns:p14="http://schemas.microsoft.com/office/powerpoint/2010/main" val="790952861"/>
+      </p:ext>
+    </p:extLst>
+  </p:cSld>
+  <p:clrMapOvr>
+    <a:masterClrMapping/>
+  </p:clrMapOvr>
+</p:sld>
+</file>
+
+<file path=ppt/slides/slide11.xml><?xml version="1.0" encoding="utf-8"?>
+<p:sld xmlns:a="http://schemas.openxmlformats.org/drawingml/2006/main" xmlns:r="http://schemas.openxmlformats.org/officeDocument/2006/relationships" xmlns:p="http://schemas.openxmlformats.org/presentationml/2006/main">
+  <p:cSld>
     <p:bg>
       <p:bgPr>
         <a:solidFill>
@@ -4535,7 +4832,7 @@
             </a:pPr>
             <a:r>
               <a:rPr lang="en-DE" sz="4000"/>
-              <a:t>Entities vs. Value Objects vs. Domain</a:t>
+              <a:t>Entities vs. Value Objects vs. Domäne</a:t>
             </a:r>
           </a:p>
         </p:txBody>
@@ -4570,19 +4867,19 @@
           <a:p>
             <a:r>
               <a:rPr lang="en-DE"/>
-              <a:t>difference well-defined?</a:t>
+              <a:t>Unterschied wohldefiniert?</a:t>
             </a:r>
           </a:p>
           <a:p>
             <a:r>
               <a:rPr lang="en-DE"/>
-              <a:t>good for what?</a:t>
+              <a:t>Wofür ist das gut?</a:t>
             </a:r>
           </a:p>
           <a:p>
             <a:r>
               <a:rPr lang="en-DE"/>
-              <a:t>domain or technology?</a:t>
+              <a:t>Domäne oder Technik?</a:t>
             </a:r>
           </a:p>
           <a:p>
@@ -4650,7 +4947,7 @@
 </p:sld>
 </file>
 
-<file path=ppt/slides/slide11.xml><?xml version="1.0" encoding="utf-8"?>
+<file path=ppt/slides/slide12.xml><?xml version="1.0" encoding="utf-8"?>
 <p:sld xmlns:a="http://schemas.openxmlformats.org/drawingml/2006/main" xmlns:r="http://schemas.openxmlformats.org/officeDocument/2006/relationships" xmlns:p="http://schemas.openxmlformats.org/presentationml/2006/main">
   <p:cSld>
     <p:spTree>
@@ -4690,7 +4987,7 @@
           <a:p>
             <a:r>
               <a:rPr lang="en-DE"/>
-              <a:t>What Is It That We’re Modeling?</a:t>
+              <a:t>Was modellieren wir eigentlich?</a:t>
             </a:r>
           </a:p>
         </p:txBody>
@@ -4876,7 +5173,7 @@
 </p:sld>
 </file>
 
-<file path=ppt/slides/slide12.xml><?xml version="1.0" encoding="utf-8"?>
+<file path=ppt/slides/slide13.xml><?xml version="1.0" encoding="utf-8"?>
 <p:sld xmlns:a="http://schemas.openxmlformats.org/drawingml/2006/main" xmlns:r="http://schemas.openxmlformats.org/officeDocument/2006/relationships" xmlns:p="http://schemas.openxmlformats.org/presentationml/2006/main">
   <p:cSld>
     <p:spTree>
@@ -4895,40 +5192,6 @@
       </p:grpSpPr>
       <p:sp>
         <p:nvSpPr>
-          <p:cNvPr id="4" name="Title 3">
-            <a:extLst>
-              <a:ext uri="{FF2B5EF4-FFF2-40B4-BE49-F238E27FC236}">
-                <a16:creationId xmlns:a16="http://schemas.microsoft.com/office/drawing/2014/main" id="{23ADA9B8-0A32-6B10-FFCC-F9B9364CF106}"/>
-              </a:ext>
-            </a:extLst>
-          </p:cNvPr>
-          <p:cNvSpPr>
-            <a:spLocks noGrp="1"/>
-          </p:cNvSpPr>
-          <p:nvPr>
-            <p:ph type="title"/>
-          </p:nvPr>
-        </p:nvSpPr>
-        <p:spPr>
-          <a:xfrm>
-            <a:off x="609600" y="6010023"/>
-            <a:ext cx="10972800" cy="773266"/>
-          </a:xfrm>
-        </p:spPr>
-        <p:txBody>
-          <a:bodyPr/>
-          <a:lstStyle/>
-          <a:p>
-            <a:pPr algn="ctr"/>
-            <a:r>
-              <a:rPr lang="en-DE"/>
-              <a:t>Not Friends, Yet</a:t>
-            </a:r>
-          </a:p>
-        </p:txBody>
-      </p:sp>
-      <p:sp>
-        <p:nvSpPr>
           <p:cNvPr id="6" name="Content Placeholder 5">
             <a:extLst>
               <a:ext uri="{FF2B5EF4-FFF2-40B4-BE49-F238E27FC236}">
@@ -4962,14 +5225,14 @@
           <a:p>
             <a:r>
               <a:rPr lang="de-DE" dirty="0"/>
-              <a:t>Collaborative Modeling</a:t>
+              <a:t>„Collaborative Modeling“</a:t>
             </a:r>
             <a:br>
               <a:rPr lang="en-DE"/>
             </a:br>
             <a:r>
               <a:rPr lang="en-DE" b="1"/>
-              <a:t>Processes</a:t>
+              <a:t>Prozesse</a:t>
             </a:r>
           </a:p>
           <a:p>
@@ -4996,7 +5259,7 @@
             </a:br>
             <a:r>
               <a:rPr lang="en-DE" b="1"/>
-              <a:t>Operation Signatures</a:t>
+              <a:t>Operationen / Signaturen</a:t>
             </a:r>
             <a:endParaRPr lang="en-DE"/>
           </a:p>
@@ -5010,7 +5273,7 @@
             </a:br>
             <a:r>
               <a:rPr lang="en-DE" b="1"/>
-              <a:t>Test Cases &amp; Functions</a:t>
+              <a:t>Testfälle &amp; Funktionen</a:t>
             </a:r>
             <a:endParaRPr lang="en-DE"/>
           </a:p>
@@ -5058,46 +5321,46 @@
             </a:br>
             <a:r>
               <a:rPr lang="en-DE" b="1"/>
-              <a:t>Data Analysis</a:t>
+              <a:t>Datenanalyse</a:t>
             </a:r>
           </a:p>
           <a:p>
             <a:r>
               <a:rPr lang="en-DE"/>
-              <a:t>Design Recipes</a:t>
+              <a:t>Konstruktionsanleitungen</a:t>
             </a:r>
             <a:br>
               <a:rPr lang="en-DE"/>
             </a:br>
             <a:r>
               <a:rPr lang="en-DE" b="1"/>
-              <a:t>Functions</a:t>
+              <a:t>Funktionen</a:t>
             </a:r>
           </a:p>
           <a:p>
             <a:r>
               <a:rPr lang="en-DE"/>
-              <a:t>Abstraction</a:t>
+              <a:t>Abstraktion</a:t>
             </a:r>
             <a:br>
               <a:rPr lang="en-DE"/>
             </a:br>
             <a:r>
               <a:rPr lang="en-DE" b="1"/>
-              <a:t>Types &amp; Combinator Models</a:t>
-            </a:r>
-          </a:p>
-          <a:p>
-            <a:r>
-              <a:rPr lang="en-DE"/>
-              <a:t>Correctness &amp; Consistency</a:t>
+              <a:t>Typen &amp; Kombinatormodelle</a:t>
+            </a:r>
+          </a:p>
+          <a:p>
+            <a:r>
+              <a:rPr lang="en-DE" b="1"/>
+              <a:t>Korrektheit &amp; Konsistenz</a:t>
             </a:r>
             <a:br>
               <a:rPr lang="en-DE" b="1"/>
             </a:br>
             <a:r>
               <a:rPr lang="en-DE" b="1"/>
-              <a:t>Math</a:t>
+              <a:t>Mathematik</a:t>
             </a:r>
             <a:endParaRPr lang="en-DE"/>
           </a:p>
@@ -5163,6 +5426,31 @@
           </a:prstGeom>
         </p:spPr>
       </p:pic>
+      <p:sp>
+        <p:nvSpPr>
+          <p:cNvPr id="7" name="Title 6">
+            <a:extLst>
+              <a:ext uri="{FF2B5EF4-FFF2-40B4-BE49-F238E27FC236}">
+                <a16:creationId xmlns:a16="http://schemas.microsoft.com/office/drawing/2014/main" id="{4F262562-36CB-313A-3531-2DFB74ED319A}"/>
+              </a:ext>
+            </a:extLst>
+          </p:cNvPr>
+          <p:cNvSpPr>
+            <a:spLocks noGrp="1"/>
+          </p:cNvSpPr>
+          <p:nvPr>
+            <p:ph type="title"/>
+          </p:nvPr>
+        </p:nvSpPr>
+        <p:spPr/>
+        <p:txBody>
+          <a:bodyPr/>
+          <a:lstStyle/>
+          <a:p>
+            <a:endParaRPr lang="en-DE"/>
+          </a:p>
+        </p:txBody>
+      </p:sp>
     </p:spTree>
     <p:extLst>
       <p:ext uri="{BB962C8B-B14F-4D97-AF65-F5344CB8AC3E}">
@@ -5193,6 +5481,314 @@
           <a:chExt cx="0" cy="0"/>
         </a:xfrm>
       </p:grpSpPr>
+      <p:pic>
+        <p:nvPicPr>
+          <p:cNvPr id="5126" name="Picture 6">
+            <a:extLst>
+              <a:ext uri="{FF2B5EF4-FFF2-40B4-BE49-F238E27FC236}">
+                <a16:creationId xmlns:a16="http://schemas.microsoft.com/office/drawing/2014/main" id="{CE3CDD58-8E4C-54C3-D532-919B1F98C9CB}"/>
+              </a:ext>
+            </a:extLst>
+          </p:cNvPr>
+          <p:cNvPicPr>
+            <a:picLocks noChangeAspect="1" noChangeArrowheads="1"/>
+          </p:cNvPicPr>
+          <p:nvPr/>
+        </p:nvPicPr>
+        <p:blipFill>
+          <a:blip r:embed="rId2">
+            <a:extLst>
+              <a:ext uri="{28A0092B-C50C-407E-A947-70E740481C1C}">
+                <a14:useLocalDpi xmlns:a14="http://schemas.microsoft.com/office/drawing/2010/main" val="0"/>
+              </a:ext>
+            </a:extLst>
+          </a:blip>
+          <a:srcRect/>
+          <a:stretch>
+            <a:fillRect/>
+          </a:stretch>
+        </p:blipFill>
+        <p:spPr bwMode="auto">
+          <a:xfrm>
+            <a:off x="4903741" y="3777636"/>
+            <a:ext cx="2716259" cy="2716259"/>
+          </a:xfrm>
+          <a:prstGeom prst="rect">
+            <a:avLst/>
+          </a:prstGeom>
+          <a:noFill/>
+          <a:extLst>
+            <a:ext uri="{909E8E84-426E-40DD-AFC4-6F175D3DCCD1}">
+              <a14:hiddenFill xmlns:a14="http://schemas.microsoft.com/office/drawing/2010/main">
+                <a:solidFill>
+                  <a:srgbClr val="FFFFFF"/>
+                </a:solidFill>
+              </a14:hiddenFill>
+            </a:ext>
+          </a:extLst>
+        </p:spPr>
+      </p:pic>
+      <p:pic>
+        <p:nvPicPr>
+          <p:cNvPr id="12" name="Picture 11">
+            <a:extLst>
+              <a:ext uri="{FF2B5EF4-FFF2-40B4-BE49-F238E27FC236}">
+                <a16:creationId xmlns:a16="http://schemas.microsoft.com/office/drawing/2014/main" id="{DDA504CB-FB94-0E6C-4818-39C93F0A2314}"/>
+              </a:ext>
+            </a:extLst>
+          </p:cNvPr>
+          <p:cNvPicPr>
+            <a:picLocks noChangeAspect="1"/>
+          </p:cNvPicPr>
+          <p:nvPr/>
+        </p:nvPicPr>
+        <p:blipFill>
+          <a:blip r:embed="rId3"/>
+          <a:stretch>
+            <a:fillRect/>
+          </a:stretch>
+        </p:blipFill>
+        <p:spPr>
+          <a:xfrm>
+            <a:off x="6904908" y="-21237"/>
+            <a:ext cx="5287092" cy="3505200"/>
+          </a:xfrm>
+          <a:prstGeom prst="rect">
+            <a:avLst/>
+          </a:prstGeom>
+        </p:spPr>
+      </p:pic>
+      <p:pic>
+        <p:nvPicPr>
+          <p:cNvPr id="14" name="Picture 13" descr="A picture containing text, person, clothing, person&#10;&#10;Description automatically generated">
+            <a:extLst>
+              <a:ext uri="{FF2B5EF4-FFF2-40B4-BE49-F238E27FC236}">
+                <a16:creationId xmlns:a16="http://schemas.microsoft.com/office/drawing/2014/main" id="{CA5CFB85-0946-14DF-962F-6C6FCC43F7B3}"/>
+              </a:ext>
+            </a:extLst>
+          </p:cNvPr>
+          <p:cNvPicPr>
+            <a:picLocks noChangeAspect="1"/>
+          </p:cNvPicPr>
+          <p:nvPr/>
+        </p:nvPicPr>
+        <p:blipFill>
+          <a:blip r:embed="rId4"/>
+          <a:stretch>
+            <a:fillRect/>
+          </a:stretch>
+        </p:blipFill>
+        <p:spPr>
+          <a:xfrm>
+            <a:off x="0" y="3483963"/>
+            <a:ext cx="5061057" cy="3374037"/>
+          </a:xfrm>
+          <a:prstGeom prst="rect">
+            <a:avLst/>
+          </a:prstGeom>
+        </p:spPr>
+      </p:pic>
+      <p:pic>
+        <p:nvPicPr>
+          <p:cNvPr id="5122" name="Picture 2" descr="Quick-Start Guide - Domain Storytelling">
+            <a:extLst>
+              <a:ext uri="{FF2B5EF4-FFF2-40B4-BE49-F238E27FC236}">
+                <a16:creationId xmlns:a16="http://schemas.microsoft.com/office/drawing/2014/main" id="{185ADB63-0E54-B729-5A61-B7A1327D1F78}"/>
+              </a:ext>
+            </a:extLst>
+          </p:cNvPr>
+          <p:cNvPicPr>
+            <a:picLocks noChangeAspect="1" noChangeArrowheads="1"/>
+          </p:cNvPicPr>
+          <p:nvPr/>
+        </p:nvPicPr>
+        <p:blipFill>
+          <a:blip r:embed="rId5">
+            <a:extLst>
+              <a:ext uri="{28A0092B-C50C-407E-A947-70E740481C1C}">
+                <a14:useLocalDpi xmlns:a14="http://schemas.microsoft.com/office/drawing/2010/main" val="0"/>
+              </a:ext>
+            </a:extLst>
+          </a:blip>
+          <a:srcRect/>
+          <a:stretch>
+            <a:fillRect/>
+          </a:stretch>
+        </p:blipFill>
+        <p:spPr bwMode="auto">
+          <a:xfrm>
+            <a:off x="219578" y="126995"/>
+            <a:ext cx="4219888" cy="2405190"/>
+          </a:xfrm>
+          <a:prstGeom prst="rect">
+            <a:avLst/>
+          </a:prstGeom>
+          <a:noFill/>
+          <a:extLst>
+            <a:ext uri="{909E8E84-426E-40DD-AFC4-6F175D3DCCD1}">
+              <a14:hiddenFill xmlns:a14="http://schemas.microsoft.com/office/drawing/2010/main">
+                <a:solidFill>
+                  <a:srgbClr val="FFFFFF"/>
+                </a:solidFill>
+              </a14:hiddenFill>
+            </a:ext>
+          </a:extLst>
+        </p:spPr>
+      </p:pic>
+      <p:pic>
+        <p:nvPicPr>
+          <p:cNvPr id="5124" name="Picture 4" descr="Event Store at DDDEU 2022">
+            <a:extLst>
+              <a:ext uri="{FF2B5EF4-FFF2-40B4-BE49-F238E27FC236}">
+                <a16:creationId xmlns:a16="http://schemas.microsoft.com/office/drawing/2014/main" id="{C7250D3E-A820-7796-3089-B995FA8A5D4E}"/>
+              </a:ext>
+            </a:extLst>
+          </p:cNvPr>
+          <p:cNvPicPr>
+            <a:picLocks noChangeAspect="1" noChangeArrowheads="1"/>
+          </p:cNvPicPr>
+          <p:nvPr/>
+        </p:nvPicPr>
+        <p:blipFill>
+          <a:blip r:embed="rId6">
+            <a:extLst>
+              <a:ext uri="{28A0092B-C50C-407E-A947-70E740481C1C}">
+                <a14:useLocalDpi xmlns:a14="http://schemas.microsoft.com/office/drawing/2010/main" val="0"/>
+              </a:ext>
+            </a:extLst>
+          </a:blip>
+          <a:srcRect/>
+          <a:stretch>
+            <a:fillRect/>
+          </a:stretch>
+        </p:blipFill>
+        <p:spPr bwMode="auto">
+          <a:xfrm>
+            <a:off x="3882683" y="1781442"/>
+            <a:ext cx="3022225" cy="1702521"/>
+          </a:xfrm>
+          <a:prstGeom prst="rect">
+            <a:avLst/>
+          </a:prstGeom>
+          <a:noFill/>
+          <a:extLst>
+            <a:ext uri="{909E8E84-426E-40DD-AFC4-6F175D3DCCD1}">
+              <a14:hiddenFill xmlns:a14="http://schemas.microsoft.com/office/drawing/2010/main">
+                <a:solidFill>
+                  <a:srgbClr val="FFFFFF"/>
+                </a:solidFill>
+              </a14:hiddenFill>
+            </a:ext>
+          </a:extLst>
+        </p:spPr>
+      </p:pic>
+      <p:pic>
+        <p:nvPicPr>
+          <p:cNvPr id="16" name="Picture 15" descr="A picture containing black, graphics, screenshot, darkness&#10;&#10;Description automatically generated">
+            <a:extLst>
+              <a:ext uri="{FF2B5EF4-FFF2-40B4-BE49-F238E27FC236}">
+                <a16:creationId xmlns:a16="http://schemas.microsoft.com/office/drawing/2014/main" id="{6361CCA3-CF0E-BA88-8EB7-F67077219A5B}"/>
+              </a:ext>
+            </a:extLst>
+          </p:cNvPr>
+          <p:cNvPicPr>
+            <a:picLocks noChangeAspect="1"/>
+          </p:cNvPicPr>
+          <p:nvPr/>
+        </p:nvPicPr>
+        <p:blipFill>
+          <a:blip r:embed="rId7"/>
+          <a:stretch>
+            <a:fillRect/>
+          </a:stretch>
+        </p:blipFill>
+        <p:spPr>
+          <a:xfrm>
+            <a:off x="6716551" y="3640450"/>
+            <a:ext cx="3495143" cy="1280096"/>
+          </a:xfrm>
+          <a:prstGeom prst="rect">
+            <a:avLst/>
+          </a:prstGeom>
+        </p:spPr>
+      </p:pic>
+      <p:pic>
+        <p:nvPicPr>
+          <p:cNvPr id="1026" name="Picture 2" descr="ICFP 2023 Live Streams - YouTube">
+            <a:extLst>
+              <a:ext uri="{FF2B5EF4-FFF2-40B4-BE49-F238E27FC236}">
+                <a16:creationId xmlns:a16="http://schemas.microsoft.com/office/drawing/2014/main" id="{C078212E-E9E6-F609-DBD7-1734908EB066}"/>
+              </a:ext>
+            </a:extLst>
+          </p:cNvPr>
+          <p:cNvPicPr>
+            <a:picLocks noChangeAspect="1" noChangeArrowheads="1"/>
+          </p:cNvPicPr>
+          <p:nvPr/>
+        </p:nvPicPr>
+        <p:blipFill>
+          <a:blip r:embed="rId8">
+            <a:extLst>
+              <a:ext uri="{28A0092B-C50C-407E-A947-70E740481C1C}">
+                <a14:useLocalDpi xmlns:a14="http://schemas.microsoft.com/office/drawing/2010/main" val="0"/>
+              </a:ext>
+            </a:extLst>
+          </a:blip>
+          <a:srcRect/>
+          <a:stretch>
+            <a:fillRect/>
+          </a:stretch>
+        </p:blipFill>
+        <p:spPr bwMode="auto">
+          <a:xfrm>
+            <a:off x="8745863" y="4920546"/>
+            <a:ext cx="3520438" cy="1989813"/>
+          </a:xfrm>
+          <a:prstGeom prst="rect">
+            <a:avLst/>
+          </a:prstGeom>
+          <a:noFill/>
+          <a:extLst>
+            <a:ext uri="{909E8E84-426E-40DD-AFC4-6F175D3DCCD1}">
+              <a14:hiddenFill xmlns:a14="http://schemas.microsoft.com/office/drawing/2010/main">
+                <a:solidFill>
+                  <a:srgbClr val="FFFFFF"/>
+                </a:solidFill>
+              </a14:hiddenFill>
+            </a:ext>
+          </a:extLst>
+        </p:spPr>
+      </p:pic>
+    </p:spTree>
+    <p:extLst>
+      <p:ext uri="{BB962C8B-B14F-4D97-AF65-F5344CB8AC3E}">
+        <p14:creationId xmlns:p14="http://schemas.microsoft.com/office/powerpoint/2010/main" val="1723171269"/>
+      </p:ext>
+    </p:extLst>
+  </p:cSld>
+  <p:clrMapOvr>
+    <a:masterClrMapping/>
+  </p:clrMapOvr>
+</p:sld>
+</file>
+
+<file path=ppt/slides/slide3.xml><?xml version="1.0" encoding="utf-8"?>
+<p:sld xmlns:a="http://schemas.openxmlformats.org/drawingml/2006/main" xmlns:r="http://schemas.openxmlformats.org/officeDocument/2006/relationships" xmlns:p="http://schemas.openxmlformats.org/presentationml/2006/main">
+  <p:cSld>
+    <p:spTree>
+      <p:nvGrpSpPr>
+        <p:cNvPr id="1" name=""/>
+        <p:cNvGrpSpPr/>
+        <p:nvPr/>
+      </p:nvGrpSpPr>
+      <p:grpSpPr>
+        <a:xfrm>
+          <a:off x="0" y="0"/>
+          <a:ext cx="0" cy="0"/>
+          <a:chOff x="0" y="0"/>
+          <a:chExt cx="0" cy="0"/>
+        </a:xfrm>
+      </p:grpSpPr>
       <p:sp>
         <p:nvSpPr>
           <p:cNvPr id="2" name="Title 1">
@@ -5216,7 +5812,7 @@
           <a:p>
             <a:r>
               <a:rPr lang="en-DE"/>
-              <a:t>Obvious Differences</a:t>
+              <a:t>Offensichtliche Unterschiede</a:t>
             </a:r>
           </a:p>
         </p:txBody>
@@ -5255,31 +5851,31 @@
           <a:p>
             <a:r>
               <a:rPr lang="en-DE" sz="3000"/>
-              <a:t>classes, methods, objects</a:t>
+              <a:t>Klassen, Methoden, Objekte</a:t>
             </a:r>
           </a:p>
           <a:p>
             <a:r>
               <a:rPr lang="en-DE" sz="3000"/>
-              <a:t>state via mutation</a:t>
+              <a:t>Zustand durch Mutation</a:t>
             </a:r>
           </a:p>
           <a:p>
             <a:r>
               <a:rPr lang="en-DE" sz="3000"/>
-              <a:t>abstract classes</a:t>
+              <a:t>abstrakte Klassen</a:t>
             </a:r>
           </a:p>
           <a:p>
             <a:r>
               <a:rPr lang="en-DE" sz="3000"/>
-              <a:t>nominal type systems</a:t>
+              <a:t>nominale Typsysteme</a:t>
             </a:r>
           </a:p>
           <a:p>
             <a:r>
               <a:rPr lang="en-DE" sz="3000"/>
-              <a:t>tower of concepts</a:t>
+              <a:t>Turm von Konzepten</a:t>
             </a:r>
           </a:p>
         </p:txBody>
@@ -5318,31 +5914,31 @@
           <a:p>
             <a:r>
               <a:rPr lang="en-DE" sz="3000"/>
-              <a:t>functions, data</a:t>
+              <a:t>Funktionen, Daten</a:t>
             </a:r>
           </a:p>
           <a:p>
             <a:r>
               <a:rPr lang="en-DE" sz="3000"/>
-              <a:t>pervasive immutability</a:t>
+              <a:t>(fast) alles unveränderlich</a:t>
             </a:r>
           </a:p>
           <a:p>
             <a:r>
               <a:rPr lang="en-DE" sz="3000"/>
-              <a:t>algebraic data types</a:t>
+              <a:t>algebraische Datentypen</a:t>
             </a:r>
           </a:p>
           <a:p>
             <a:r>
               <a:rPr lang="en-DE" sz="3000"/>
-              <a:t>structural type systems</a:t>
+              <a:t>strukturelle Typsysteme</a:t>
             </a:r>
           </a:p>
           <a:p>
             <a:r>
               <a:rPr lang="en-DE" sz="3000"/>
-              <a:t>higher-order abstractions</a:t>
+              <a:t>Higher-Order-Abstraktionen</a:t>
             </a:r>
           </a:p>
         </p:txBody>
@@ -5360,7 +5956,7 @@
 </p:sld>
 </file>
 
-<file path=ppt/slides/slide3.xml><?xml version="1.0" encoding="utf-8"?>
+<file path=ppt/slides/slide4.xml><?xml version="1.0" encoding="utf-8"?>
 <p:sld xmlns:a="http://schemas.openxmlformats.org/drawingml/2006/main" xmlns:r="http://schemas.openxmlformats.org/officeDocument/2006/relationships" xmlns:p="http://schemas.openxmlformats.org/presentationml/2006/main">
   <p:cSld>
     <p:spTree>
@@ -5405,7 +6001,7 @@
             </a:pPr>
             <a:r>
               <a:rPr lang="en"/>
-              <a:t>Mutability</a:t>
+              <a:t>Mutation</a:t>
             </a:r>
             <a:endParaRPr/>
           </a:p>
@@ -5487,7 +6083,7 @@
 </p:sld>
 </file>
 
-<file path=ppt/slides/slide4.xml><?xml version="1.0" encoding="utf-8"?>
+<file path=ppt/slides/slide5.xml><?xml version="1.0" encoding="utf-8"?>
 <p:sld xmlns:a="http://schemas.openxmlformats.org/drawingml/2006/main" xmlns:r="http://schemas.openxmlformats.org/officeDocument/2006/relationships" xmlns:p="http://schemas.openxmlformats.org/presentationml/2006/main">
   <p:cSld>
     <p:spTree>
@@ -5527,7 +6123,7 @@
           <a:p>
             <a:r>
               <a:rPr lang="en-DE"/>
-              <a:t>Obvious Synergies</a:t>
+              <a:t>Naheliegende Synergien</a:t>
             </a:r>
           </a:p>
         </p:txBody>
@@ -5557,56 +6153,56 @@
           <a:p>
             <a:r>
               <a:rPr lang="en-DE"/>
-              <a:t>PL evolution:</a:t>
+              <a:t>Programmiersprachen-Evolution:</a:t>
             </a:r>
           </a:p>
           <a:p>
             <a:pPr lvl="1"/>
             <a:r>
               <a:rPr lang="en-DE"/>
-              <a:t>generics</a:t>
+              <a:t>Generics</a:t>
             </a:r>
           </a:p>
           <a:p>
             <a:pPr lvl="1"/>
             <a:r>
               <a:rPr lang="en-DE"/>
-              <a:t>lambda expressions</a:t>
+              <a:t>Lambda-Ausdrücke</a:t>
             </a:r>
           </a:p>
           <a:p>
             <a:pPr lvl="1"/>
             <a:r>
               <a:rPr lang="en-DE"/>
-              <a:t>stream-oriented programming</a:t>
+              <a:t>Streams</a:t>
             </a:r>
           </a:p>
           <a:p>
             <a:pPr lvl="1"/>
             <a:r>
               <a:rPr lang="en-DE"/>
-              <a:t>records</a:t>
+              <a:t>Records</a:t>
             </a:r>
           </a:p>
           <a:p>
             <a:pPr lvl="1"/>
             <a:r>
               <a:rPr lang="en-DE"/>
-              <a:t>switch expressions</a:t>
+              <a:t>Switch-Ausdrücke</a:t>
             </a:r>
           </a:p>
           <a:p>
             <a:pPr lvl="1"/>
             <a:r>
               <a:rPr lang="en-DE"/>
-              <a:t>pattern matching</a:t>
+              <a:t>Pattern-Matching</a:t>
             </a:r>
           </a:p>
           <a:p>
             <a:pPr lvl="1"/>
             <a:r>
               <a:rPr lang="en-DE"/>
-              <a:t>lightweight concurrency</a:t>
+              <a:t>“lightweight concurrency”</a:t>
             </a:r>
           </a:p>
           <a:p>
@@ -5631,13 +6227,13 @@
           <a:p>
             <a:r>
               <a:rPr lang="en-DE"/>
-              <a:t>FP + Strategic DDD </a:t>
+              <a:t>FP + Strategisches DDD </a:t>
             </a:r>
           </a:p>
           <a:p>
             <a:r>
               <a:rPr lang="en-DE"/>
-              <a:t>more expressive names in Haskell</a:t>
+              <a:t>lange Namen in Haskell</a:t>
             </a:r>
           </a:p>
         </p:txBody>
@@ -5655,7 +6251,7 @@
 </p:sld>
 </file>
 
-<file path=ppt/slides/slide5.xml><?xml version="1.0" encoding="utf-8"?>
+<file path=ppt/slides/slide6.xml><?xml version="1.0" encoding="utf-8"?>
 <p:sld xmlns:a="http://schemas.openxmlformats.org/drawingml/2006/main" xmlns:r="http://schemas.openxmlformats.org/officeDocument/2006/relationships" xmlns:p="http://schemas.openxmlformats.org/presentationml/2006/main">
   <p:cSld>
     <p:spTree>
@@ -5742,7 +6338,7 @@
           <a:p>
             <a:r>
               <a:rPr lang="en-DE"/>
-              <a:t>AEKI Shopping Cart</a:t>
+              <a:t>AEKI Einkaufskorb</a:t>
             </a:r>
           </a:p>
         </p:txBody>
@@ -5770,7 +6366,7 @@
           <a:p>
             <a:r>
               <a:rPr lang="en-DE"/>
-              <a:t>put articles in cart</a:t>
+              <a:t>Artikel in den Korb tun </a:t>
             </a:r>
             <a:r>
               <a:rPr lang="de-DE" dirty="0"/>
@@ -5778,45 +6374,38 @@
             </a:r>
             <a:r>
               <a:rPr lang="en-DE" b="1"/>
-              <a:t>always</a:t>
+              <a:t> immer</a:t>
             </a:r>
             <a:endParaRPr lang="en-DE"/>
           </a:p>
           <a:p>
             <a:r>
               <a:rPr lang="en-DE"/>
-              <a:t>choose shipping address</a:t>
+              <a:t>Lieferadresse auswählen</a:t>
             </a:r>
           </a:p>
           <a:p>
             <a:r>
               <a:rPr lang="en-DE"/>
-              <a:t>go to checkout</a:t>
+              <a:t>zur Kasse gehen</a:t>
             </a:r>
           </a:p>
           <a:p>
             <a:r>
               <a:rPr lang="en-DE"/>
-              <a:t>no shipping furniture to</a:t>
-            </a:r>
-            <a:br>
+              <a:t>keine Möbel an Packstationen</a:t>
+            </a:r>
+          </a:p>
+          <a:p>
+            <a:r>
               <a:rPr lang="en-DE"/>
-            </a:br>
+              <a:t>keine Eingabedaten verlieren</a:t>
+            </a:r>
+          </a:p>
+          <a:p>
             <a:r>
               <a:rPr lang="en-DE"/>
-              <a:t>Packstation</a:t>
-            </a:r>
-          </a:p>
-          <a:p>
-            <a:r>
-              <a:rPr lang="en-DE"/>
-              <a:t>don’t lose input data</a:t>
-            </a:r>
-          </a:p>
-          <a:p>
-            <a:r>
-              <a:rPr lang="en-DE"/>
-              <a:t>combine two carts</a:t>
+              <a:t>zwei Wägen kombinieren</a:t>
             </a:r>
           </a:p>
         </p:txBody>
@@ -5980,7 +6569,7 @@
 </p:sld>
 </file>
 
-<file path=ppt/slides/slide6.xml><?xml version="1.0" encoding="utf-8"?>
+<file path=ppt/slides/slide7.xml><?xml version="1.0" encoding="utf-8"?>
 <p:sld xmlns:a="http://schemas.openxmlformats.org/drawingml/2006/main" xmlns:r="http://schemas.openxmlformats.org/officeDocument/2006/relationships" xmlns:p="http://schemas.openxmlformats.org/presentationml/2006/main">
   <p:cSld>
     <p:spTree>
@@ -6127,7 +6716,7 @@
 </p:sld>
 </file>
 
-<file path=ppt/slides/slide7.xml><?xml version="1.0" encoding="utf-8"?>
+<file path=ppt/slides/slide8.xml><?xml version="1.0" encoding="utf-8"?>
 <p:sld xmlns:a="http://schemas.openxmlformats.org/drawingml/2006/main" xmlns:r="http://schemas.openxmlformats.org/officeDocument/2006/relationships" xmlns:p="http://schemas.openxmlformats.org/presentationml/2006/main">
   <p:cSld>
     <p:spTree>
@@ -6167,7 +6756,7 @@
           <a:p>
             <a:r>
               <a:rPr lang="en-DE"/>
-              <a:t>BDD vs. Design Recipes</a:t>
+              <a:t>BDD vs. Konstruktionsanleitungen Design Recipes</a:t>
             </a:r>
           </a:p>
         </p:txBody>
@@ -6415,7 +7004,7 @@
 </p:sld>
 </file>
 
-<file path=ppt/slides/slide8.xml><?xml version="1.0" encoding="utf-8"?>
+<file path=ppt/slides/slide9.xml><?xml version="1.0" encoding="utf-8"?>
 <p:sld xmlns:a="http://schemas.openxmlformats.org/drawingml/2006/main" xmlns:r="http://schemas.openxmlformats.org/officeDocument/2006/relationships" xmlns:p="http://schemas.openxmlformats.org/presentationml/2006/main">
   <p:cSld>
     <p:spTree>
@@ -6455,7 +7044,7 @@
           <a:p>
             <a:r>
               <a:rPr lang="de-DE" dirty="0" err="1"/>
-              <a:t>Simplicity</a:t>
+              <a:t>Einfach</a:t>
             </a:r>
             <a:r>
               <a:rPr lang="de-DE" dirty="0"/>
@@ -6471,7 +7060,7 @@
             </a:r>
             <a:r>
               <a:rPr lang="de-DE" dirty="0" err="1"/>
-              <a:t>Generality</a:t>
+              <a:t>Allgemein</a:t>
             </a:r>
             <a:endParaRPr lang="en-DE"/>
           </a:p>
@@ -6585,8 +7174,8 @@
         </p:nvSpPr>
         <p:spPr>
           <a:xfrm>
-            <a:off x="2158145" y="6106958"/>
-            <a:ext cx="1071127" cy="369332"/>
+            <a:off x="2258847" y="6106958"/>
+            <a:ext cx="869725" cy="369332"/>
           </a:xfrm>
           <a:prstGeom prst="rect">
             <a:avLst/>
@@ -6602,7 +7191,7 @@
             <a:pPr algn="ctr"/>
             <a:r>
               <a:rPr lang="en-DE"/>
-              <a:t>simplicity</a:t>
+              <a:t>einfach</a:t>
             </a:r>
           </a:p>
         </p:txBody>
@@ -6621,8 +7210,8 @@
         </p:nvSpPr>
         <p:spPr>
           <a:xfrm>
-            <a:off x="8579045" y="6148784"/>
-            <a:ext cx="1117615" cy="369332"/>
+            <a:off x="8588826" y="6148784"/>
+            <a:ext cx="1098058" cy="369332"/>
           </a:xfrm>
           <a:prstGeom prst="rect">
             <a:avLst/>
@@ -6638,7 +7227,7 @@
             <a:pPr algn="ctr"/>
             <a:r>
               <a:rPr lang="en-DE"/>
-              <a:t>generality</a:t>
+              <a:t>allgemein</a:t>
             </a:r>
           </a:p>
         </p:txBody>
@@ -6747,301 +7336,6 @@
     <p:extLst>
       <p:ext uri="{BB962C8B-B14F-4D97-AF65-F5344CB8AC3E}">
         <p14:creationId xmlns:p14="http://schemas.microsoft.com/office/powerpoint/2010/main" val="1100860625"/>
-      </p:ext>
-    </p:extLst>
-  </p:cSld>
-  <p:clrMapOvr>
-    <a:masterClrMapping/>
-  </p:clrMapOvr>
-</p:sld>
-</file>
-
-<file path=ppt/slides/slide9.xml><?xml version="1.0" encoding="utf-8"?>
-<p:sld xmlns:a="http://schemas.openxmlformats.org/drawingml/2006/main" xmlns:r="http://schemas.openxmlformats.org/officeDocument/2006/relationships" xmlns:p="http://schemas.openxmlformats.org/presentationml/2006/main">
-  <p:cSld>
-    <p:spTree>
-      <p:nvGrpSpPr>
-        <p:cNvPr id="1" name=""/>
-        <p:cNvGrpSpPr/>
-        <p:nvPr/>
-      </p:nvGrpSpPr>
-      <p:grpSpPr>
-        <a:xfrm>
-          <a:off x="0" y="0"/>
-          <a:ext cx="0" cy="0"/>
-          <a:chOff x="0" y="0"/>
-          <a:chExt cx="0" cy="0"/>
-        </a:xfrm>
-      </p:grpSpPr>
-      <p:sp>
-        <p:nvSpPr>
-          <p:cNvPr id="2" name="Title 1">
-            <a:extLst>
-              <a:ext uri="{FF2B5EF4-FFF2-40B4-BE49-F238E27FC236}">
-                <a16:creationId xmlns:a16="http://schemas.microsoft.com/office/drawing/2014/main" id="{814D0655-BEEF-41CD-CDDF-8F5AF02B1195}"/>
-              </a:ext>
-            </a:extLst>
-          </p:cNvPr>
-          <p:cNvSpPr>
-            <a:spLocks noGrp="1"/>
-          </p:cNvSpPr>
-          <p:nvPr>
-            <p:ph type="title"/>
-          </p:nvPr>
-        </p:nvSpPr>
-        <p:spPr/>
-        <p:txBody>
-          <a:bodyPr/>
-          <a:lstStyle/>
-          <a:p>
-            <a:r>
-              <a:rPr lang="en-DE"/>
-              <a:t>Ubiquitous Language vs. Abstraction</a:t>
-            </a:r>
-          </a:p>
-        </p:txBody>
-      </p:sp>
-      <p:sp>
-        <p:nvSpPr>
-          <p:cNvPr id="3" name="Content Placeholder 2">
-            <a:extLst>
-              <a:ext uri="{FF2B5EF4-FFF2-40B4-BE49-F238E27FC236}">
-                <a16:creationId xmlns:a16="http://schemas.microsoft.com/office/drawing/2014/main" id="{D496E63D-F647-DC50-1C4D-5470A4FC7FC1}"/>
-              </a:ext>
-            </a:extLst>
-          </p:cNvPr>
-          <p:cNvSpPr>
-            <a:spLocks noGrp="1"/>
-          </p:cNvSpPr>
-          <p:nvPr>
-            <p:ph idx="1"/>
-          </p:nvPr>
-        </p:nvSpPr>
-        <p:spPr/>
-        <p:txBody>
-          <a:bodyPr/>
-          <a:lstStyle/>
-          <a:p>
-            <a:r>
-              <a:rPr lang="en-DE"/>
-              <a:t>domain things</a:t>
-            </a:r>
-            <a:r>
-              <a:rPr lang="de-DE" dirty="0"/>
-              <a:t>—</a:t>
-            </a:r>
-            <a:r>
-              <a:rPr lang="en-DE"/>
-              <a:t>DDD </a:t>
-            </a:r>
-            <a:r>
-              <a:rPr lang="en-DE" b="1"/>
-              <a:t>✅</a:t>
-            </a:r>
-            <a:r>
-              <a:rPr lang="en-DE"/>
-              <a:t>, FP </a:t>
-            </a:r>
-            <a:r>
-              <a:rPr lang="en-DE" b="1"/>
-              <a:t>🤷</a:t>
-            </a:r>
-            <a:endParaRPr lang="en-DE"/>
-          </a:p>
-          <a:p>
-            <a:r>
-              <a:rPr lang="en-DE"/>
-              <a:t>implicit/emergent domain things 🤼‍♂️ ❓ </a:t>
-            </a:r>
-          </a:p>
-          <a:p>
-            <a:r>
-              <a:rPr lang="en-DE"/>
-              <a:t>domain-independent abstractions FP/mathematics </a:t>
-            </a:r>
-            <a:r>
-              <a:rPr lang="en-DE" b="1"/>
-              <a:t>✅</a:t>
-            </a:r>
-            <a:endParaRPr lang="en-DE"/>
-          </a:p>
-          <a:p>
-            <a:endParaRPr lang="en-DE"/>
-          </a:p>
-        </p:txBody>
-      </p:sp>
-      <p:pic>
-        <p:nvPicPr>
-          <p:cNvPr id="4" name="Picture 3">
-            <a:extLst>
-              <a:ext uri="{FF2B5EF4-FFF2-40B4-BE49-F238E27FC236}">
-                <a16:creationId xmlns:a16="http://schemas.microsoft.com/office/drawing/2014/main" id="{B4DDDFFA-EE60-AFBD-1BB9-4A8B9CE12E60}"/>
-              </a:ext>
-            </a:extLst>
-          </p:cNvPr>
-          <p:cNvPicPr>
-            <a:picLocks noChangeAspect="1"/>
-          </p:cNvPicPr>
-          <p:nvPr/>
-        </p:nvPicPr>
-        <p:blipFill>
-          <a:blip r:embed="rId3"/>
-          <a:stretch>
-            <a:fillRect/>
-          </a:stretch>
-        </p:blipFill>
-        <p:spPr>
-          <a:xfrm>
-            <a:off x="2245264" y="3078161"/>
-            <a:ext cx="3327400" cy="3505200"/>
-          </a:xfrm>
-          <a:prstGeom prst="rect">
-            <a:avLst/>
-          </a:prstGeom>
-        </p:spPr>
-      </p:pic>
-      <p:pic>
-        <p:nvPicPr>
-          <p:cNvPr id="5" name="Picture 4">
-            <a:extLst>
-              <a:ext uri="{FF2B5EF4-FFF2-40B4-BE49-F238E27FC236}">
-                <a16:creationId xmlns:a16="http://schemas.microsoft.com/office/drawing/2014/main" id="{89A9A485-C524-7668-7B68-6EF6CBBE1BD0}"/>
-              </a:ext>
-            </a:extLst>
-          </p:cNvPr>
-          <p:cNvPicPr>
-            <a:picLocks noChangeAspect="1"/>
-          </p:cNvPicPr>
-          <p:nvPr/>
-        </p:nvPicPr>
-        <p:blipFill>
-          <a:blip r:embed="rId4"/>
-          <a:stretch>
-            <a:fillRect/>
-          </a:stretch>
-        </p:blipFill>
-        <p:spPr>
-          <a:xfrm>
-            <a:off x="6697994" y="3078161"/>
-            <a:ext cx="3327400" cy="3505200"/>
-          </a:xfrm>
-          <a:prstGeom prst="rect">
-            <a:avLst/>
-          </a:prstGeom>
-        </p:spPr>
-      </p:pic>
-      <p:sp>
-        <p:nvSpPr>
-          <p:cNvPr id="6" name="Rectangular Callout 5">
-            <a:extLst>
-              <a:ext uri="{FF2B5EF4-FFF2-40B4-BE49-F238E27FC236}">
-                <a16:creationId xmlns:a16="http://schemas.microsoft.com/office/drawing/2014/main" id="{4BECAFB5-28EE-E382-DF45-05FBECA06B57}"/>
-              </a:ext>
-            </a:extLst>
-          </p:cNvPr>
-          <p:cNvSpPr/>
-          <p:nvPr/>
-        </p:nvSpPr>
-        <p:spPr>
-          <a:xfrm>
-            <a:off x="6697994" y="1047905"/>
-            <a:ext cx="2027582" cy="675861"/>
-          </a:xfrm>
-          <a:prstGeom prst="wedgeRectCallout">
-            <a:avLst>
-              <a:gd name="adj1" fmla="val -73205"/>
-              <a:gd name="adj2" fmla="val 31950"/>
-            </a:avLst>
-          </a:prstGeom>
-        </p:spPr>
-        <p:style>
-          <a:lnRef idx="1">
-            <a:schemeClr val="accent1"/>
-          </a:lnRef>
-          <a:fillRef idx="3">
-            <a:schemeClr val="accent1"/>
-          </a:fillRef>
-          <a:effectRef idx="2">
-            <a:schemeClr val="accent1"/>
-          </a:effectRef>
-          <a:fontRef idx="minor">
-            <a:schemeClr val="lt1"/>
-          </a:fontRef>
-        </p:style>
-        <p:txBody>
-          <a:bodyPr rtlCol="0" anchor="ctr"/>
-          <a:lstStyle/>
-          <a:p>
-            <a:pPr algn="ctr"/>
-            <a:r>
-              <a:rPr lang="en-DE"/>
-              <a:t>“shopping cart”</a:t>
-            </a:r>
-          </a:p>
-        </p:txBody>
-      </p:sp>
-      <p:sp>
-        <p:nvSpPr>
-          <p:cNvPr id="7" name="Rectangular Callout 6">
-            <a:extLst>
-              <a:ext uri="{FF2B5EF4-FFF2-40B4-BE49-F238E27FC236}">
-                <a16:creationId xmlns:a16="http://schemas.microsoft.com/office/drawing/2014/main" id="{BB88E92E-8F1E-5C81-8F09-D2586127198C}"/>
-              </a:ext>
-            </a:extLst>
-          </p:cNvPr>
-          <p:cNvSpPr/>
-          <p:nvPr/>
-        </p:nvSpPr>
-        <p:spPr>
-          <a:xfrm>
-            <a:off x="10025394" y="1152606"/>
-            <a:ext cx="2027582" cy="675861"/>
-          </a:xfrm>
-          <a:prstGeom prst="wedgeRectCallout">
-            <a:avLst>
-              <a:gd name="adj1" fmla="val -60597"/>
-              <a:gd name="adj2" fmla="val 135239"/>
-            </a:avLst>
-          </a:prstGeom>
-        </p:spPr>
-        <p:style>
-          <a:lnRef idx="1">
-            <a:schemeClr val="accent1"/>
-          </a:lnRef>
-          <a:fillRef idx="3">
-            <a:schemeClr val="accent1"/>
-          </a:fillRef>
-          <a:effectRef idx="2">
-            <a:schemeClr val="accent1"/>
-          </a:effectRef>
-          <a:fontRef idx="minor">
-            <a:schemeClr val="lt1"/>
-          </a:fontRef>
-        </p:style>
-        <p:txBody>
-          <a:bodyPr rtlCol="0" anchor="ctr"/>
-          <a:lstStyle/>
-          <a:p>
-            <a:pPr algn="ctr"/>
-            <a:r>
-              <a:rPr lang="en-DE"/>
-              <a:t>“monoid</a:t>
-            </a:r>
-            <a:r>
-              <a:rPr lang="de-DE" dirty="0"/>
-              <a:t>,</a:t>
-            </a:r>
-            <a:r>
-              <a:rPr lang="en-DE"/>
-              <a:t>” “monad”</a:t>
-            </a:r>
-          </a:p>
-        </p:txBody>
-      </p:sp>
-    </p:spTree>
-    <p:extLst>
-      <p:ext uri="{BB962C8B-B14F-4D97-AF65-F5344CB8AC3E}">
-        <p14:creationId xmlns:p14="http://schemas.microsoft.com/office/powerpoint/2010/main" val="790952861"/>
       </p:ext>
     </p:extLst>
   </p:cSld>

--- a/ddd-fp.pptx
+++ b/ddd-fp.pptx
@@ -247,7 +247,7 @@
           </a:lstStyle>
           <a:p>
             <a:fld id="{68D8FC40-45D7-E54E-9FA2-9DB57B04171A}" type="datetimeFigureOut">
-              <a:t>17.04.24</a:t>
+              <a:t>18.04.24</a:t>
             </a:fld>
             <a:endParaRPr lang="en-US"/>
           </a:p>
@@ -1430,7 +1430,7 @@
           <a:lstStyle/>
           <a:p>
             <a:fld id="{4D4C64F2-05CA-A543-9E1D-00043D5FFC16}" type="datetimeFigureOut">
-              <a:t>17.04.24</a:t>
+              <a:t>18.04.24</a:t>
             </a:fld>
             <a:endParaRPr lang="en-US"/>
           </a:p>
@@ -1598,7 +1598,7 @@
           <a:lstStyle/>
           <a:p>
             <a:fld id="{4D4C64F2-05CA-A543-9E1D-00043D5FFC16}" type="datetimeFigureOut">
-              <a:t>17.04.24</a:t>
+              <a:t>18.04.24</a:t>
             </a:fld>
             <a:endParaRPr lang="en-US"/>
           </a:p>
@@ -1776,7 +1776,7 @@
           <a:lstStyle/>
           <a:p>
             <a:fld id="{4D4C64F2-05CA-A543-9E1D-00043D5FFC16}" type="datetimeFigureOut">
-              <a:t>17.04.24</a:t>
+              <a:t>18.04.24</a:t>
             </a:fld>
             <a:endParaRPr lang="en-US"/>
           </a:p>
@@ -1944,7 +1944,7 @@
           <a:lstStyle/>
           <a:p>
             <a:fld id="{4D4C64F2-05CA-A543-9E1D-00043D5FFC16}" type="datetimeFigureOut">
-              <a:t>17.04.24</a:t>
+              <a:t>18.04.24</a:t>
             </a:fld>
             <a:endParaRPr lang="en-US"/>
           </a:p>
@@ -2188,7 +2188,7 @@
           <a:lstStyle/>
           <a:p>
             <a:fld id="{4D4C64F2-05CA-A543-9E1D-00043D5FFC16}" type="datetimeFigureOut">
-              <a:t>17.04.24</a:t>
+              <a:t>18.04.24</a:t>
             </a:fld>
             <a:endParaRPr lang="en-US"/>
           </a:p>
@@ -2474,7 +2474,7 @@
           <a:lstStyle/>
           <a:p>
             <a:fld id="{4D4C64F2-05CA-A543-9E1D-00043D5FFC16}" type="datetimeFigureOut">
-              <a:t>17.04.24</a:t>
+              <a:t>18.04.24</a:t>
             </a:fld>
             <a:endParaRPr lang="en-US"/>
           </a:p>
@@ -2894,7 +2894,7 @@
           <a:lstStyle/>
           <a:p>
             <a:fld id="{4D4C64F2-05CA-A543-9E1D-00043D5FFC16}" type="datetimeFigureOut">
-              <a:t>17.04.24</a:t>
+              <a:t>18.04.24</a:t>
             </a:fld>
             <a:endParaRPr lang="en-US"/>
           </a:p>
@@ -3010,7 +3010,7 @@
           <a:lstStyle/>
           <a:p>
             <a:fld id="{4D4C64F2-05CA-A543-9E1D-00043D5FFC16}" type="datetimeFigureOut">
-              <a:t>17.04.24</a:t>
+              <a:t>18.04.24</a:t>
             </a:fld>
             <a:endParaRPr lang="en-US"/>
           </a:p>
@@ -3103,7 +3103,7 @@
           <a:lstStyle/>
           <a:p>
             <a:fld id="{4D4C64F2-05CA-A543-9E1D-00043D5FFC16}" type="datetimeFigureOut">
-              <a:t>17.04.24</a:t>
+              <a:t>18.04.24</a:t>
             </a:fld>
             <a:endParaRPr lang="en-US"/>
           </a:p>
@@ -3378,7 +3378,7 @@
           <a:lstStyle/>
           <a:p>
             <a:fld id="{4D4C64F2-05CA-A543-9E1D-00043D5FFC16}" type="datetimeFigureOut">
-              <a:t>17.04.24</a:t>
+              <a:t>18.04.24</a:t>
             </a:fld>
             <a:endParaRPr lang="en-US"/>
           </a:p>
@@ -3629,7 +3629,7 @@
           <a:lstStyle/>
           <a:p>
             <a:fld id="{4D4C64F2-05CA-A543-9E1D-00043D5FFC16}" type="datetimeFigureOut">
-              <a:t>17.04.24</a:t>
+              <a:t>18.04.24</a:t>
             </a:fld>
             <a:endParaRPr lang="en-US"/>
           </a:p>
@@ -3840,7 +3840,7 @@
           </a:lstStyle>
           <a:p>
             <a:fld id="{4D4C64F2-05CA-A543-9E1D-00043D5FFC16}" type="datetimeFigureOut">
-              <a:t>17.04.24</a:t>
+              <a:t>18.04.24</a:t>
             </a:fld>
             <a:endParaRPr lang="en-US"/>
           </a:p>
@@ -4276,7 +4276,7 @@
           <a:noFill/>
           <a:extLst>
             <a:ext uri="{909E8E84-426E-40dd-AFC4-6F175D3DCCD1}">
-              <a14:hiddenFill xmlns="" xmlns:a14="http://schemas.microsoft.com/office/drawing/2010/main">
+              <a14:hiddenFill xmlns:a14="http://schemas.microsoft.com/office/drawing/2010/main" xmlns="">
                 <a:solidFill>
                   <a:srgbClr val="FFFFFF"/>
                 </a:solidFill>
@@ -5426,31 +5426,6 @@
           </a:prstGeom>
         </p:spPr>
       </p:pic>
-      <p:sp>
-        <p:nvSpPr>
-          <p:cNvPr id="7" name="Title 6">
-            <a:extLst>
-              <a:ext uri="{FF2B5EF4-FFF2-40B4-BE49-F238E27FC236}">
-                <a16:creationId xmlns:a16="http://schemas.microsoft.com/office/drawing/2014/main" id="{4F262562-36CB-313A-3531-2DFB74ED319A}"/>
-              </a:ext>
-            </a:extLst>
-          </p:cNvPr>
-          <p:cNvSpPr>
-            <a:spLocks noGrp="1"/>
-          </p:cNvSpPr>
-          <p:nvPr>
-            <p:ph type="title"/>
-          </p:nvPr>
-        </p:nvSpPr>
-        <p:spPr/>
-        <p:txBody>
-          <a:bodyPr/>
-          <a:lstStyle/>
-          <a:p>
-            <a:endParaRPr lang="en-DE"/>
-          </a:p>
-        </p:txBody>
-      </p:sp>
     </p:spTree>
     <p:extLst>
       <p:ext uri="{BB962C8B-B14F-4D97-AF65-F5344CB8AC3E}">
